--- a/week2/DataStructure.pptx
+++ b/week2/DataStructure.pptx
@@ -204,7 +204,7 @@
           <a:p>
             <a:fld id="{286F87FE-048A-4ED4-8195-0DA2E6093C31}" type="datetimeFigureOut">
               <a:rPr lang="ko-KR" altLang="en-US" smtClean="0"/>
-              <a:t>2023-01-09</a:t>
+              <a:t>2023. 2. 2.</a:t>
             </a:fld>
             <a:endParaRPr lang="ko-KR" altLang="en-US"/>
           </a:p>
@@ -809,7 +809,7 @@
           <a:p>
             <a:fld id="{BA45EB35-398F-4593-8298-79268765641B}" type="datetimeFigureOut">
               <a:rPr lang="ko-KR" altLang="en-US" smtClean="0"/>
-              <a:t>2023-01-09</a:t>
+              <a:t>2023. 2. 2.</a:t>
             </a:fld>
             <a:endParaRPr lang="ko-KR" altLang="en-US"/>
           </a:p>
@@ -1007,7 +1007,7 @@
           <a:p>
             <a:fld id="{BA45EB35-398F-4593-8298-79268765641B}" type="datetimeFigureOut">
               <a:rPr lang="ko-KR" altLang="en-US" smtClean="0"/>
-              <a:t>2023-01-09</a:t>
+              <a:t>2023. 2. 2.</a:t>
             </a:fld>
             <a:endParaRPr lang="ko-KR" altLang="en-US"/>
           </a:p>
@@ -1215,7 +1215,7 @@
           <a:p>
             <a:fld id="{BA45EB35-398F-4593-8298-79268765641B}" type="datetimeFigureOut">
               <a:rPr lang="ko-KR" altLang="en-US" smtClean="0"/>
-              <a:t>2023-01-09</a:t>
+              <a:t>2023. 2. 2.</a:t>
             </a:fld>
             <a:endParaRPr lang="ko-KR" altLang="en-US"/>
           </a:p>
@@ -1413,7 +1413,7 @@
           <a:p>
             <a:fld id="{BA45EB35-398F-4593-8298-79268765641B}" type="datetimeFigureOut">
               <a:rPr lang="ko-KR" altLang="en-US" smtClean="0"/>
-              <a:t>2023-01-09</a:t>
+              <a:t>2023. 2. 2.</a:t>
             </a:fld>
             <a:endParaRPr lang="ko-KR" altLang="en-US"/>
           </a:p>
@@ -1688,7 +1688,7 @@
           <a:p>
             <a:fld id="{BA45EB35-398F-4593-8298-79268765641B}" type="datetimeFigureOut">
               <a:rPr lang="ko-KR" altLang="en-US" smtClean="0"/>
-              <a:t>2023-01-09</a:t>
+              <a:t>2023. 2. 2.</a:t>
             </a:fld>
             <a:endParaRPr lang="ko-KR" altLang="en-US"/>
           </a:p>
@@ -1953,7 +1953,7 @@
           <a:p>
             <a:fld id="{BA45EB35-398F-4593-8298-79268765641B}" type="datetimeFigureOut">
               <a:rPr lang="ko-KR" altLang="en-US" smtClean="0"/>
-              <a:t>2023-01-09</a:t>
+              <a:t>2023. 2. 2.</a:t>
             </a:fld>
             <a:endParaRPr lang="ko-KR" altLang="en-US"/>
           </a:p>
@@ -2365,7 +2365,7 @@
           <a:p>
             <a:fld id="{BA45EB35-398F-4593-8298-79268765641B}" type="datetimeFigureOut">
               <a:rPr lang="ko-KR" altLang="en-US" smtClean="0"/>
-              <a:t>2023-01-09</a:t>
+              <a:t>2023. 2. 2.</a:t>
             </a:fld>
             <a:endParaRPr lang="ko-KR" altLang="en-US"/>
           </a:p>
@@ -2506,7 +2506,7 @@
           <a:p>
             <a:fld id="{BA45EB35-398F-4593-8298-79268765641B}" type="datetimeFigureOut">
               <a:rPr lang="ko-KR" altLang="en-US" smtClean="0"/>
-              <a:t>2023-01-09</a:t>
+              <a:t>2023. 2. 2.</a:t>
             </a:fld>
             <a:endParaRPr lang="ko-KR" altLang="en-US"/>
           </a:p>
@@ -2619,7 +2619,7 @@
           <a:p>
             <a:fld id="{BA45EB35-398F-4593-8298-79268765641B}" type="datetimeFigureOut">
               <a:rPr lang="ko-KR" altLang="en-US" smtClean="0"/>
-              <a:t>2023-01-09</a:t>
+              <a:t>2023. 2. 2.</a:t>
             </a:fld>
             <a:endParaRPr lang="ko-KR" altLang="en-US"/>
           </a:p>
@@ -2930,7 +2930,7 @@
           <a:p>
             <a:fld id="{BA45EB35-398F-4593-8298-79268765641B}" type="datetimeFigureOut">
               <a:rPr lang="ko-KR" altLang="en-US" smtClean="0"/>
-              <a:t>2023-01-09</a:t>
+              <a:t>2023. 2. 2.</a:t>
             </a:fld>
             <a:endParaRPr lang="ko-KR" altLang="en-US"/>
           </a:p>
@@ -3218,7 +3218,7 @@
           <a:p>
             <a:fld id="{BA45EB35-398F-4593-8298-79268765641B}" type="datetimeFigureOut">
               <a:rPr lang="ko-KR" altLang="en-US" smtClean="0"/>
-              <a:t>2023-01-09</a:t>
+              <a:t>2023. 2. 2.</a:t>
             </a:fld>
             <a:endParaRPr lang="ko-KR" altLang="en-US"/>
           </a:p>
@@ -3459,7 +3459,7 @@
           <a:p>
             <a:fld id="{BA45EB35-398F-4593-8298-79268765641B}" type="datetimeFigureOut">
               <a:rPr lang="ko-KR" altLang="en-US" smtClean="0"/>
-              <a:t>2023-01-09</a:t>
+              <a:t>2023. 2. 2.</a:t>
             </a:fld>
             <a:endParaRPr lang="ko-KR" altLang="en-US"/>
           </a:p>
@@ -3898,8 +3898,12 @@
           <a:lstStyle/>
           <a:p>
             <a:r>
-              <a:rPr lang="en-US" altLang="ko-KR" dirty="0"/>
-              <a:t>Data Structure</a:t>
+              <a:rPr lang="en-US" altLang="ko-KR"/>
+              <a:t>Data </a:t>
+            </a:r>
+            <a:r>
+              <a:rPr lang="en-US" altLang="ko-KR" dirty="0"/>
+              <a:t>Structure</a:t>
             </a:r>
             <a:endParaRPr lang="ko-KR" altLang="en-US" dirty="0"/>
           </a:p>
